--- a/GitHub.Mihai.Valentin.AW11M.pptx
+++ b/GitHub.Mihai.Valentin.AW11M.pptx
@@ -6955,7 +6955,7 @@
             </a:pPr>
             <a:r>
               <a:rPr lang="ru"/>
-              <a:t>студенты группы AW11M</a:t>
+              <a:t>студент группы AW11M</a:t>
             </a:r>
             <a:endParaRPr/>
           </a:p>

--- a/GitHub.Mihai.Valentin.AW11M.pptx
+++ b/GitHub.Mihai.Valentin.AW11M.pptx
@@ -8690,7 +8690,7 @@
         </p:nvSpPr>
         <p:spPr>
           <a:xfrm>
-            <a:off x="311700" y="2091750"/>
+            <a:off x="311700" y="223550"/>
             <a:ext cx="8520600" cy="960000"/>
           </a:xfrm>
           <a:prstGeom prst="rect">
@@ -8721,6 +8721,34 @@
           </a:p>
         </p:txBody>
       </p:sp>
+      <p:pic>
+        <p:nvPicPr>
+          <p:cNvPr id="120" name="Google Shape;120;p21"/>
+          <p:cNvPicPr preferRelativeResize="0"/>
+          <p:nvPr/>
+        </p:nvPicPr>
+        <p:blipFill>
+          <a:blip r:embed="rId3">
+            <a:alphaModFix/>
+          </a:blip>
+          <a:stretch>
+            <a:fillRect/>
+          </a:stretch>
+        </p:blipFill>
+        <p:spPr>
+          <a:xfrm>
+            <a:off x="2886637" y="1396425"/>
+            <a:ext cx="3370725" cy="3370725"/>
+          </a:xfrm>
+          <a:prstGeom prst="rect">
+            <a:avLst/>
+          </a:prstGeom>
+          <a:noFill/>
+          <a:ln>
+            <a:noFill/>
+          </a:ln>
+        </p:spPr>
+      </p:pic>
     </p:spTree>
   </p:cSld>
   <p:clrMapOvr>
